--- a/inter_presentation/inter_presentation.pptx
+++ b/inter_presentation/inter_presentation.pptx
@@ -219,7 +219,7 @@
           <a:p>
             <a:fld id="{40029F93-3AE2-4ED3-8D49-9D876DCC48D7}" type="datetimeFigureOut">
               <a:rPr lang="fr-CH" smtClean="0"/>
-              <a:t>04.06.2021</a:t>
+              <a:t>05.06.2021</a:t>
             </a:fld>
             <a:endParaRPr lang="fr-CH"/>
           </a:p>
@@ -532,18 +532,6 @@
           <a:lstStyle/>
           <a:p>
             <a:r>
-              <a:rPr lang="fr-CH" sz="1200" kern="1200" dirty="0" err="1">
-                <a:solidFill>
-                  <a:schemeClr val="tx1"/>
-                </a:solidFill>
-                <a:effectLst/>
-                <a:latin typeface="+mn-lt"/>
-                <a:ea typeface="+mn-ea"/>
-                <a:cs typeface="+mn-cs"/>
-              </a:rPr>
-              <a:t>Meshmixer</a:t>
-            </a:r>
-            <a:r>
               <a:rPr lang="fr-CH" sz="1200" kern="1200" dirty="0">
                 <a:solidFill>
                   <a:schemeClr val="tx1"/>
@@ -553,61 +541,8 @@
                 <a:ea typeface="+mn-ea"/>
                 <a:cs typeface="+mn-cs"/>
               </a:rPr>
-              <a:t> -&gt; Blender</a:t>
-            </a:r>
-          </a:p>
-          <a:p>
-            <a:r>
-              <a:rPr lang="fr-CH" sz="1200" kern="1200" dirty="0">
-                <a:solidFill>
-                  <a:schemeClr val="tx1"/>
-                </a:solidFill>
-                <a:effectLst/>
-                <a:latin typeface="+mn-lt"/>
-                <a:ea typeface="+mn-ea"/>
-                <a:cs typeface="+mn-cs"/>
-              </a:rPr>
-              <a:t>Explication des différents scripts Blender</a:t>
-            </a:r>
-          </a:p>
-          <a:p>
-            <a:r>
-              <a:rPr lang="fr-CH" sz="1200" kern="1200" dirty="0">
-                <a:solidFill>
-                  <a:schemeClr val="tx1"/>
-                </a:solidFill>
-                <a:effectLst/>
-                <a:latin typeface="+mn-lt"/>
-                <a:ea typeface="+mn-ea"/>
-                <a:cs typeface="+mn-cs"/>
-              </a:rPr>
-              <a:t>Résultats</a:t>
-            </a:r>
-          </a:p>
-          <a:p>
-            <a:r>
-              <a:rPr lang="fr-CH" sz="1200" kern="1200" dirty="0">
-                <a:solidFill>
-                  <a:schemeClr val="tx1"/>
-                </a:solidFill>
-                <a:effectLst/>
-                <a:latin typeface="+mn-lt"/>
-                <a:ea typeface="+mn-ea"/>
-                <a:cs typeface="+mn-cs"/>
-              </a:rPr>
-              <a:t>Démo</a:t>
-            </a:r>
-          </a:p>
-          <a:p>
-            <a:endParaRPr lang="fr-CH" sz="1200" kern="1200" dirty="0">
-              <a:solidFill>
-                <a:schemeClr val="tx1"/>
-              </a:solidFill>
-              <a:effectLst/>
-              <a:latin typeface="+mn-lt"/>
-              <a:ea typeface="+mn-ea"/>
-              <a:cs typeface="+mn-cs"/>
-            </a:endParaRPr>
+              <a:t>Début de la présentation</a:t>
+            </a:r>
           </a:p>
           <a:p>
             <a:endParaRPr lang="fr-CH" dirty="0"/>
@@ -641,6 +576,192 @@
     <p:extLst>
       <p:ext uri="{BB962C8B-B14F-4D97-AF65-F5344CB8AC3E}">
         <p14:creationId xmlns:p14="http://schemas.microsoft.com/office/powerpoint/2010/main" val="3653373116"/>
+      </p:ext>
+    </p:extLst>
+  </p:cSld>
+  <p:clrMapOvr>
+    <a:masterClrMapping/>
+  </p:clrMapOvr>
+</p:notes>
+</file>
+
+<file path=ppt/notesSlides/notesSlide10.xml><?xml version="1.0" encoding="utf-8"?>
+<p:notes xmlns:a="http://schemas.openxmlformats.org/drawingml/2006/main" xmlns:r="http://schemas.openxmlformats.org/officeDocument/2006/relationships" xmlns:p="http://schemas.openxmlformats.org/presentationml/2006/main">
+  <p:cSld>
+    <p:spTree>
+      <p:nvGrpSpPr>
+        <p:cNvPr id="1" name=""/>
+        <p:cNvGrpSpPr/>
+        <p:nvPr/>
+      </p:nvGrpSpPr>
+      <p:grpSpPr>
+        <a:xfrm>
+          <a:off x="0" y="0"/>
+          <a:ext cx="0" cy="0"/>
+          <a:chOff x="0" y="0"/>
+          <a:chExt cx="0" cy="0"/>
+        </a:xfrm>
+      </p:grpSpPr>
+      <p:sp>
+        <p:nvSpPr>
+          <p:cNvPr id="2" name="Espace réservé de l'image des diapositives 1"/>
+          <p:cNvSpPr>
+            <a:spLocks noGrp="1" noRot="1" noChangeAspect="1"/>
+          </p:cNvSpPr>
+          <p:nvPr>
+            <p:ph type="sldImg"/>
+          </p:nvPr>
+        </p:nvSpPr>
+        <p:spPr/>
+      </p:sp>
+      <p:sp>
+        <p:nvSpPr>
+          <p:cNvPr id="3" name="Espace réservé des notes 2"/>
+          <p:cNvSpPr>
+            <a:spLocks noGrp="1"/>
+          </p:cNvSpPr>
+          <p:nvPr>
+            <p:ph type="body" idx="1"/>
+          </p:nvPr>
+        </p:nvSpPr>
+        <p:spPr/>
+        <p:txBody>
+          <a:bodyPr/>
+          <a:lstStyle/>
+          <a:p>
+            <a:r>
+              <a:rPr lang="fr-CH" dirty="0"/>
+              <a:t>Parler du fait que c’est un sujet pas très connu -&gt; expérimentation</a:t>
+            </a:r>
+          </a:p>
+          <a:p>
+            <a:r>
+              <a:rPr lang="fr-CH" dirty="0"/>
+              <a:t>Parler brièvement du rétrécissement des pièces lors du frittage (impact sur les supports)</a:t>
+            </a:r>
+          </a:p>
+          <a:p>
+            <a:r>
+              <a:rPr lang="fr-CH" dirty="0"/>
+              <a:t>Parler des améliorations qui pourraient être faites</a:t>
+            </a:r>
+          </a:p>
+        </p:txBody>
+      </p:sp>
+      <p:sp>
+        <p:nvSpPr>
+          <p:cNvPr id="4" name="Espace réservé du numéro de diapositive 3"/>
+          <p:cNvSpPr>
+            <a:spLocks noGrp="1"/>
+          </p:cNvSpPr>
+          <p:nvPr>
+            <p:ph type="sldNum" sz="quarter" idx="5"/>
+          </p:nvPr>
+        </p:nvSpPr>
+        <p:spPr/>
+        <p:txBody>
+          <a:bodyPr/>
+          <a:lstStyle/>
+          <a:p>
+            <a:fld id="{7F1BDCB3-6A31-48A9-8DE6-F39F1E9F3CE7}" type="slidenum">
+              <a:rPr lang="fr-CH" smtClean="0"/>
+              <a:t>10</a:t>
+            </a:fld>
+            <a:endParaRPr lang="fr-CH"/>
+          </a:p>
+        </p:txBody>
+      </p:sp>
+    </p:spTree>
+    <p:extLst>
+      <p:ext uri="{BB962C8B-B14F-4D97-AF65-F5344CB8AC3E}">
+        <p14:creationId xmlns:p14="http://schemas.microsoft.com/office/powerpoint/2010/main" val="4057678325"/>
+      </p:ext>
+    </p:extLst>
+  </p:cSld>
+  <p:clrMapOvr>
+    <a:masterClrMapping/>
+  </p:clrMapOvr>
+</p:notes>
+</file>
+
+<file path=ppt/notesSlides/notesSlide11.xml><?xml version="1.0" encoding="utf-8"?>
+<p:notes xmlns:a="http://schemas.openxmlformats.org/drawingml/2006/main" xmlns:r="http://schemas.openxmlformats.org/officeDocument/2006/relationships" xmlns:p="http://schemas.openxmlformats.org/presentationml/2006/main">
+  <p:cSld>
+    <p:spTree>
+      <p:nvGrpSpPr>
+        <p:cNvPr id="1" name=""/>
+        <p:cNvGrpSpPr/>
+        <p:nvPr/>
+      </p:nvGrpSpPr>
+      <p:grpSpPr>
+        <a:xfrm>
+          <a:off x="0" y="0"/>
+          <a:ext cx="0" cy="0"/>
+          <a:chOff x="0" y="0"/>
+          <a:chExt cx="0" cy="0"/>
+        </a:xfrm>
+      </p:grpSpPr>
+      <p:sp>
+        <p:nvSpPr>
+          <p:cNvPr id="2" name="Espace réservé de l'image des diapositives 1"/>
+          <p:cNvSpPr>
+            <a:spLocks noGrp="1" noRot="1" noChangeAspect="1"/>
+          </p:cNvSpPr>
+          <p:nvPr>
+            <p:ph type="sldImg"/>
+          </p:nvPr>
+        </p:nvSpPr>
+        <p:spPr/>
+      </p:sp>
+      <p:sp>
+        <p:nvSpPr>
+          <p:cNvPr id="3" name="Espace réservé des notes 2"/>
+          <p:cNvSpPr>
+            <a:spLocks noGrp="1"/>
+          </p:cNvSpPr>
+          <p:nvPr>
+            <p:ph type="body" idx="1"/>
+          </p:nvPr>
+        </p:nvSpPr>
+        <p:spPr/>
+        <p:txBody>
+          <a:bodyPr/>
+          <a:lstStyle/>
+          <a:p>
+            <a:r>
+              <a:rPr lang="fr-CH" dirty="0"/>
+              <a:t>Fin de la présentation</a:t>
+            </a:r>
+          </a:p>
+        </p:txBody>
+      </p:sp>
+      <p:sp>
+        <p:nvSpPr>
+          <p:cNvPr id="4" name="Espace réservé du numéro de diapositive 3"/>
+          <p:cNvSpPr>
+            <a:spLocks noGrp="1"/>
+          </p:cNvSpPr>
+          <p:nvPr>
+            <p:ph type="sldNum" sz="quarter" idx="5"/>
+          </p:nvPr>
+        </p:nvSpPr>
+        <p:spPr/>
+        <p:txBody>
+          <a:bodyPr/>
+          <a:lstStyle/>
+          <a:p>
+            <a:fld id="{7F1BDCB3-6A31-48A9-8DE6-F39F1E9F3CE7}" type="slidenum">
+              <a:rPr lang="fr-CH" smtClean="0"/>
+              <a:t>11</a:t>
+            </a:fld>
+            <a:endParaRPr lang="fr-CH"/>
+          </a:p>
+        </p:txBody>
+      </p:sp>
+    </p:spTree>
+    <p:extLst>
+      <p:ext uri="{BB962C8B-B14F-4D97-AF65-F5344CB8AC3E}">
+        <p14:creationId xmlns:p14="http://schemas.microsoft.com/office/powerpoint/2010/main" val="3271139384"/>
       </p:ext>
     </p:extLst>
   </p:cSld>
@@ -695,87 +816,9 @@
           <a:lstStyle/>
           <a:p>
             <a:r>
-              <a:rPr lang="fr-CH" sz="1200" kern="1200" dirty="0">
-                <a:solidFill>
-                  <a:schemeClr val="tx1"/>
-                </a:solidFill>
-                <a:effectLst/>
-                <a:latin typeface="+mn-lt"/>
-                <a:ea typeface="+mn-ea"/>
-                <a:cs typeface="+mn-cs"/>
-              </a:rPr>
-              <a:t>Programme proposé</a:t>
-            </a:r>
-          </a:p>
-          <a:p>
-            <a:r>
-              <a:rPr lang="fr-CH" sz="1200" kern="1200" dirty="0">
-                <a:solidFill>
-                  <a:schemeClr val="tx1"/>
-                </a:solidFill>
-                <a:effectLst/>
-                <a:latin typeface="+mn-lt"/>
-                <a:ea typeface="+mn-ea"/>
-                <a:cs typeface="+mn-cs"/>
-              </a:rPr>
-              <a:t>Free et open source</a:t>
-            </a:r>
-          </a:p>
-          <a:p>
-            <a:r>
-              <a:rPr lang="fr-CH" sz="1200" kern="1200" dirty="0">
-                <a:solidFill>
-                  <a:schemeClr val="tx1"/>
-                </a:solidFill>
-                <a:effectLst/>
-                <a:latin typeface="+mn-lt"/>
-                <a:ea typeface="+mn-ea"/>
-                <a:cs typeface="+mn-cs"/>
-              </a:rPr>
-              <a:t>Api donc automatisation possible</a:t>
-            </a:r>
-          </a:p>
-          <a:p>
-            <a:endParaRPr lang="fr-CH" sz="1200" kern="1200" dirty="0">
-              <a:solidFill>
-                <a:schemeClr val="tx1"/>
-              </a:solidFill>
-              <a:effectLst/>
-              <a:latin typeface="+mn-lt"/>
-              <a:ea typeface="+mn-ea"/>
-              <a:cs typeface="+mn-cs"/>
-            </a:endParaRPr>
-          </a:p>
-          <a:p>
-            <a:r>
-              <a:rPr lang="fr-CH" sz="1200" kern="1200" dirty="0">
-                <a:solidFill>
-                  <a:schemeClr val="tx1"/>
-                </a:solidFill>
-                <a:effectLst/>
-                <a:latin typeface="+mn-lt"/>
-                <a:ea typeface="+mn-ea"/>
-                <a:cs typeface="+mn-cs"/>
-              </a:rPr>
-              <a:t>Pas vraiment adapté à la génération automatique de support</a:t>
-            </a:r>
-          </a:p>
-          <a:p>
-            <a:r>
-              <a:rPr lang="fr-CH" sz="1200" kern="1200" dirty="0">
-                <a:solidFill>
-                  <a:schemeClr val="tx1"/>
-                </a:solidFill>
-                <a:effectLst/>
-                <a:latin typeface="+mn-lt"/>
-                <a:ea typeface="+mn-ea"/>
-                <a:cs typeface="+mn-cs"/>
-              </a:rPr>
-              <a:t>Plus mis à jour (17 avril 2018)</a:t>
-            </a:r>
-          </a:p>
-          <a:p>
-            <a:endParaRPr lang="fr-CH" dirty="0"/>
+              <a:rPr lang="fr-CH" dirty="0"/>
+              <a:t>Présenter les partie du Powerpoint</a:t>
+            </a:r>
           </a:p>
         </p:txBody>
       </p:sp>
@@ -796,7 +839,7 @@
           <a:p>
             <a:fld id="{7F1BDCB3-6A31-48A9-8DE6-F39F1E9F3CE7}" type="slidenum">
               <a:rPr lang="fr-CH" smtClean="0"/>
-              <a:t>4</a:t>
+              <a:t>2</a:t>
             </a:fld>
             <a:endParaRPr lang="fr-CH"/>
           </a:p>
@@ -805,7 +848,7 @@
     </p:spTree>
     <p:extLst>
       <p:ext uri="{BB962C8B-B14F-4D97-AF65-F5344CB8AC3E}">
-        <p14:creationId xmlns:p14="http://schemas.microsoft.com/office/powerpoint/2010/main" val="3523928698"/>
+        <p14:creationId xmlns:p14="http://schemas.microsoft.com/office/powerpoint/2010/main" val="1236571006"/>
       </p:ext>
     </p:extLst>
   </p:cSld>
@@ -860,69 +903,26 @@
           <a:lstStyle/>
           <a:p>
             <a:r>
-              <a:rPr lang="fr-CH" sz="1200" kern="1200" dirty="0">
-                <a:solidFill>
-                  <a:schemeClr val="tx1"/>
-                </a:solidFill>
-                <a:effectLst/>
-                <a:latin typeface="+mn-lt"/>
-                <a:ea typeface="+mn-ea"/>
-                <a:cs typeface="+mn-cs"/>
-              </a:rPr>
-              <a:t>Aussi free and open source</a:t>
-            </a:r>
-          </a:p>
-          <a:p>
-            <a:r>
-              <a:rPr lang="fr-CH" sz="1200" kern="1200" dirty="0">
-                <a:solidFill>
-                  <a:schemeClr val="tx1"/>
-                </a:solidFill>
-                <a:effectLst/>
-                <a:latin typeface="+mn-lt"/>
-                <a:ea typeface="+mn-ea"/>
-                <a:cs typeface="+mn-cs"/>
-              </a:rPr>
-              <a:t>Aussi une api</a:t>
-            </a:r>
-          </a:p>
-          <a:p>
-            <a:endParaRPr lang="fr-CH" sz="1200" kern="1200" dirty="0">
-              <a:solidFill>
-                <a:schemeClr val="tx1"/>
-              </a:solidFill>
-              <a:effectLst/>
-              <a:latin typeface="+mn-lt"/>
-              <a:ea typeface="+mn-ea"/>
-              <a:cs typeface="+mn-cs"/>
-            </a:endParaRPr>
-          </a:p>
-          <a:p>
-            <a:r>
-              <a:rPr lang="fr-CH" sz="1200" kern="1200" dirty="0">
-                <a:solidFill>
-                  <a:schemeClr val="tx1"/>
-                </a:solidFill>
-                <a:effectLst/>
-                <a:latin typeface="+mn-lt"/>
-                <a:ea typeface="+mn-ea"/>
-                <a:cs typeface="+mn-cs"/>
-              </a:rPr>
-              <a:t>Possède beaucoup de fonctionnalité et de module python pour automatisé notre script</a:t>
-            </a:r>
-          </a:p>
-          <a:p>
-            <a:r>
-              <a:rPr lang="fr-CH" sz="1200" kern="1200" dirty="0">
-                <a:solidFill>
-                  <a:schemeClr val="tx1"/>
-                </a:solidFill>
-                <a:effectLst/>
-                <a:latin typeface="+mn-lt"/>
-                <a:ea typeface="+mn-ea"/>
-                <a:cs typeface="+mn-cs"/>
-              </a:rPr>
-              <a:t>Continuellement mis à jour</a:t>
+              <a:rPr lang="fr-CH" dirty="0"/>
+              <a:t>Présenter le projet</a:t>
+            </a:r>
+          </a:p>
+          <a:p>
+            <a:endParaRPr lang="fr-CH" dirty="0"/>
+          </a:p>
+          <a:p>
+            <a:r>
+              <a:rPr lang="fr-CH" dirty="0"/>
+              <a:t>Présenter le format de fichier STL</a:t>
+            </a:r>
+          </a:p>
+          <a:p>
+            <a:endParaRPr lang="fr-CH" dirty="0"/>
+          </a:p>
+          <a:p>
+            <a:r>
+              <a:rPr lang="fr-CH" dirty="0"/>
+              <a:t>Présenter la base du logiciel</a:t>
             </a:r>
           </a:p>
         </p:txBody>
@@ -944,7 +944,7 @@
           <a:p>
             <a:fld id="{7F1BDCB3-6A31-48A9-8DE6-F39F1E9F3CE7}" type="slidenum">
               <a:rPr lang="fr-CH" smtClean="0"/>
-              <a:t>5</a:t>
+              <a:t>3</a:t>
             </a:fld>
             <a:endParaRPr lang="fr-CH"/>
           </a:p>
@@ -953,7 +953,7 @@
     </p:spTree>
     <p:extLst>
       <p:ext uri="{BB962C8B-B14F-4D97-AF65-F5344CB8AC3E}">
-        <p14:creationId xmlns:p14="http://schemas.microsoft.com/office/powerpoint/2010/main" val="2981421094"/>
+        <p14:creationId xmlns:p14="http://schemas.microsoft.com/office/powerpoint/2010/main" val="1660168172"/>
       </p:ext>
     </p:extLst>
   </p:cSld>
@@ -1008,86 +1008,365 @@
           <a:lstStyle/>
           <a:p>
             <a:r>
+              <a:rPr lang="fr-CH" sz="1200" kern="1200" dirty="0">
+                <a:solidFill>
+                  <a:schemeClr val="tx1"/>
+                </a:solidFill>
+                <a:effectLst/>
+                <a:latin typeface="+mn-lt"/>
+                <a:ea typeface="+mn-ea"/>
+                <a:cs typeface="+mn-cs"/>
+              </a:rPr>
+              <a:t>Programme proposé</a:t>
+            </a:r>
+          </a:p>
+          <a:p>
+            <a:r>
+              <a:rPr lang="fr-CH" sz="1200" kern="1200" dirty="0">
+                <a:solidFill>
+                  <a:schemeClr val="tx1"/>
+                </a:solidFill>
+                <a:effectLst/>
+                <a:latin typeface="+mn-lt"/>
+                <a:ea typeface="+mn-ea"/>
+                <a:cs typeface="+mn-cs"/>
+              </a:rPr>
+              <a:t>Free et open source</a:t>
+            </a:r>
+          </a:p>
+          <a:p>
+            <a:r>
+              <a:rPr lang="fr-CH" sz="1200" kern="1200" dirty="0">
+                <a:solidFill>
+                  <a:schemeClr val="tx1"/>
+                </a:solidFill>
+                <a:effectLst/>
+                <a:latin typeface="+mn-lt"/>
+                <a:ea typeface="+mn-ea"/>
+                <a:cs typeface="+mn-cs"/>
+              </a:rPr>
+              <a:t>Api donc automatisation possible</a:t>
+            </a:r>
+          </a:p>
+          <a:p>
+            <a:endParaRPr lang="fr-CH" sz="1200" kern="1200" dirty="0">
+              <a:solidFill>
+                <a:schemeClr val="tx1"/>
+              </a:solidFill>
+              <a:effectLst/>
+              <a:latin typeface="+mn-lt"/>
+              <a:ea typeface="+mn-ea"/>
+              <a:cs typeface="+mn-cs"/>
+            </a:endParaRPr>
+          </a:p>
+          <a:p>
+            <a:r>
+              <a:rPr lang="fr-CH" sz="1200" kern="1200" dirty="0">
+                <a:solidFill>
+                  <a:schemeClr val="tx1"/>
+                </a:solidFill>
+                <a:effectLst/>
+                <a:latin typeface="+mn-lt"/>
+                <a:ea typeface="+mn-ea"/>
+                <a:cs typeface="+mn-cs"/>
+              </a:rPr>
+              <a:t>Pas vraiment adapté à la génération automatique de support</a:t>
+            </a:r>
+          </a:p>
+          <a:p>
+            <a:r>
+              <a:rPr lang="fr-CH" sz="1200" kern="1200" dirty="0">
+                <a:solidFill>
+                  <a:schemeClr val="tx1"/>
+                </a:solidFill>
+                <a:effectLst/>
+                <a:latin typeface="+mn-lt"/>
+                <a:ea typeface="+mn-ea"/>
+                <a:cs typeface="+mn-cs"/>
+              </a:rPr>
+              <a:t>Plus mis à jour (17 avril 2018)</a:t>
+            </a:r>
+          </a:p>
+          <a:p>
+            <a:endParaRPr lang="fr-CH" dirty="0"/>
+          </a:p>
+        </p:txBody>
+      </p:sp>
+      <p:sp>
+        <p:nvSpPr>
+          <p:cNvPr id="4" name="Espace réservé du numéro de diapositive 3"/>
+          <p:cNvSpPr>
+            <a:spLocks noGrp="1"/>
+          </p:cNvSpPr>
+          <p:nvPr>
+            <p:ph type="sldNum" sz="quarter" idx="5"/>
+          </p:nvPr>
+        </p:nvSpPr>
+        <p:spPr/>
+        <p:txBody>
+          <a:bodyPr/>
+          <a:lstStyle/>
+          <a:p>
+            <a:fld id="{7F1BDCB3-6A31-48A9-8DE6-F39F1E9F3CE7}" type="slidenum">
+              <a:rPr lang="fr-CH" smtClean="0"/>
+              <a:t>4</a:t>
+            </a:fld>
+            <a:endParaRPr lang="fr-CH"/>
+          </a:p>
+        </p:txBody>
+      </p:sp>
+    </p:spTree>
+    <p:extLst>
+      <p:ext uri="{BB962C8B-B14F-4D97-AF65-F5344CB8AC3E}">
+        <p14:creationId xmlns:p14="http://schemas.microsoft.com/office/powerpoint/2010/main" val="3523928698"/>
+      </p:ext>
+    </p:extLst>
+  </p:cSld>
+  <p:clrMapOvr>
+    <a:masterClrMapping/>
+  </p:clrMapOvr>
+</p:notes>
+</file>
+
+<file path=ppt/notesSlides/notesSlide5.xml><?xml version="1.0" encoding="utf-8"?>
+<p:notes xmlns:a="http://schemas.openxmlformats.org/drawingml/2006/main" xmlns:r="http://schemas.openxmlformats.org/officeDocument/2006/relationships" xmlns:p="http://schemas.openxmlformats.org/presentationml/2006/main">
+  <p:cSld>
+    <p:spTree>
+      <p:nvGrpSpPr>
+        <p:cNvPr id="1" name=""/>
+        <p:cNvGrpSpPr/>
+        <p:nvPr/>
+      </p:nvGrpSpPr>
+      <p:grpSpPr>
+        <a:xfrm>
+          <a:off x="0" y="0"/>
+          <a:ext cx="0" cy="0"/>
+          <a:chOff x="0" y="0"/>
+          <a:chExt cx="0" cy="0"/>
+        </a:xfrm>
+      </p:grpSpPr>
+      <p:sp>
+        <p:nvSpPr>
+          <p:cNvPr id="2" name="Espace réservé de l'image des diapositives 1"/>
+          <p:cNvSpPr>
+            <a:spLocks noGrp="1" noRot="1" noChangeAspect="1"/>
+          </p:cNvSpPr>
+          <p:nvPr>
+            <p:ph type="sldImg"/>
+          </p:nvPr>
+        </p:nvSpPr>
+        <p:spPr/>
+      </p:sp>
+      <p:sp>
+        <p:nvSpPr>
+          <p:cNvPr id="3" name="Espace réservé des notes 2"/>
+          <p:cNvSpPr>
+            <a:spLocks noGrp="1"/>
+          </p:cNvSpPr>
+          <p:nvPr>
+            <p:ph type="body" idx="1"/>
+          </p:nvPr>
+        </p:nvSpPr>
+        <p:spPr/>
+        <p:txBody>
+          <a:bodyPr/>
+          <a:lstStyle/>
+          <a:p>
+            <a:r>
+              <a:rPr lang="fr-CH" sz="1200" kern="1200" dirty="0">
+                <a:solidFill>
+                  <a:schemeClr val="tx1"/>
+                </a:solidFill>
+                <a:effectLst/>
+                <a:latin typeface="+mn-lt"/>
+                <a:ea typeface="+mn-ea"/>
+                <a:cs typeface="+mn-cs"/>
+              </a:rPr>
+              <a:t>Mieux adapté que </a:t>
+            </a:r>
+            <a:r>
+              <a:rPr lang="fr-CH" sz="1200" kern="1200" dirty="0" err="1">
+                <a:solidFill>
+                  <a:schemeClr val="tx1"/>
+                </a:solidFill>
+                <a:effectLst/>
+                <a:latin typeface="+mn-lt"/>
+                <a:ea typeface="+mn-ea"/>
+                <a:cs typeface="+mn-cs"/>
+              </a:rPr>
+              <a:t>Meshmixer</a:t>
+            </a:r>
+            <a:r>
+              <a:rPr lang="fr-CH" sz="1200" kern="1200" dirty="0">
+                <a:solidFill>
+                  <a:schemeClr val="tx1"/>
+                </a:solidFill>
+                <a:effectLst/>
+                <a:latin typeface="+mn-lt"/>
+                <a:ea typeface="+mn-ea"/>
+                <a:cs typeface="+mn-cs"/>
+              </a:rPr>
+              <a:t> (photo gauche)</a:t>
+            </a:r>
+          </a:p>
+          <a:p>
+            <a:r>
+              <a:rPr lang="fr-CH" sz="1200" kern="1200" dirty="0">
+                <a:solidFill>
+                  <a:schemeClr val="tx1"/>
+                </a:solidFill>
+                <a:effectLst/>
+                <a:latin typeface="+mn-lt"/>
+                <a:ea typeface="+mn-ea"/>
+                <a:cs typeface="+mn-cs"/>
+              </a:rPr>
+              <a:t>Aussi free and open source</a:t>
+            </a:r>
+          </a:p>
+          <a:p>
+            <a:r>
+              <a:rPr lang="fr-CH" sz="1200" kern="1200" dirty="0">
+                <a:solidFill>
+                  <a:schemeClr val="tx1"/>
+                </a:solidFill>
+                <a:effectLst/>
+                <a:latin typeface="+mn-lt"/>
+                <a:ea typeface="+mn-ea"/>
+                <a:cs typeface="+mn-cs"/>
+              </a:rPr>
+              <a:t>Aussi une api</a:t>
+            </a:r>
+          </a:p>
+          <a:p>
+            <a:endParaRPr lang="fr-CH" sz="1200" kern="1200" dirty="0">
+              <a:solidFill>
+                <a:schemeClr val="tx1"/>
+              </a:solidFill>
+              <a:effectLst/>
+              <a:latin typeface="+mn-lt"/>
+              <a:ea typeface="+mn-ea"/>
+              <a:cs typeface="+mn-cs"/>
+            </a:endParaRPr>
+          </a:p>
+          <a:p>
+            <a:r>
+              <a:rPr lang="fr-CH" sz="1200" kern="1200" dirty="0">
+                <a:solidFill>
+                  <a:schemeClr val="tx1"/>
+                </a:solidFill>
+                <a:effectLst/>
+                <a:latin typeface="+mn-lt"/>
+                <a:ea typeface="+mn-ea"/>
+                <a:cs typeface="+mn-cs"/>
+              </a:rPr>
+              <a:t>Possède beaucoup de fonctionnalité et de module python pour automatisé notre script (photo droite)</a:t>
+            </a:r>
+          </a:p>
+          <a:p>
+            <a:r>
+              <a:rPr lang="fr-CH" sz="1200" kern="1200" dirty="0">
+                <a:solidFill>
+                  <a:schemeClr val="tx1"/>
+                </a:solidFill>
+                <a:effectLst/>
+                <a:latin typeface="+mn-lt"/>
+                <a:ea typeface="+mn-ea"/>
+                <a:cs typeface="+mn-cs"/>
+              </a:rPr>
+              <a:t>Continuellement mis à jour</a:t>
+            </a:r>
+          </a:p>
+        </p:txBody>
+      </p:sp>
+      <p:sp>
+        <p:nvSpPr>
+          <p:cNvPr id="4" name="Espace réservé du numéro de diapositive 3"/>
+          <p:cNvSpPr>
+            <a:spLocks noGrp="1"/>
+          </p:cNvSpPr>
+          <p:nvPr>
+            <p:ph type="sldNum" sz="quarter" idx="5"/>
+          </p:nvPr>
+        </p:nvSpPr>
+        <p:spPr/>
+        <p:txBody>
+          <a:bodyPr/>
+          <a:lstStyle/>
+          <a:p>
+            <a:fld id="{7F1BDCB3-6A31-48A9-8DE6-F39F1E9F3CE7}" type="slidenum">
+              <a:rPr lang="fr-CH" smtClean="0"/>
+              <a:t>5</a:t>
+            </a:fld>
+            <a:endParaRPr lang="fr-CH"/>
+          </a:p>
+        </p:txBody>
+      </p:sp>
+    </p:spTree>
+    <p:extLst>
+      <p:ext uri="{BB962C8B-B14F-4D97-AF65-F5344CB8AC3E}">
+        <p14:creationId xmlns:p14="http://schemas.microsoft.com/office/powerpoint/2010/main" val="2981421094"/>
+      </p:ext>
+    </p:extLst>
+  </p:cSld>
+  <p:clrMapOvr>
+    <a:masterClrMapping/>
+  </p:clrMapOvr>
+</p:notes>
+</file>
+
+<file path=ppt/notesSlides/notesSlide6.xml><?xml version="1.0" encoding="utf-8"?>
+<p:notes xmlns:a="http://schemas.openxmlformats.org/drawingml/2006/main" xmlns:r="http://schemas.openxmlformats.org/officeDocument/2006/relationships" xmlns:p="http://schemas.openxmlformats.org/presentationml/2006/main">
+  <p:cSld>
+    <p:spTree>
+      <p:nvGrpSpPr>
+        <p:cNvPr id="1" name=""/>
+        <p:cNvGrpSpPr/>
+        <p:nvPr/>
+      </p:nvGrpSpPr>
+      <p:grpSpPr>
+        <a:xfrm>
+          <a:off x="0" y="0"/>
+          <a:ext cx="0" cy="0"/>
+          <a:chOff x="0" y="0"/>
+          <a:chExt cx="0" cy="0"/>
+        </a:xfrm>
+      </p:grpSpPr>
+      <p:sp>
+        <p:nvSpPr>
+          <p:cNvPr id="2" name="Espace réservé de l'image des diapositives 1"/>
+          <p:cNvSpPr>
+            <a:spLocks noGrp="1" noRot="1" noChangeAspect="1"/>
+          </p:cNvSpPr>
+          <p:nvPr>
+            <p:ph type="sldImg"/>
+          </p:nvPr>
+        </p:nvSpPr>
+        <p:spPr/>
+      </p:sp>
+      <p:sp>
+        <p:nvSpPr>
+          <p:cNvPr id="3" name="Espace réservé des notes 2"/>
+          <p:cNvSpPr>
+            <a:spLocks noGrp="1"/>
+          </p:cNvSpPr>
+          <p:nvPr>
+            <p:ph type="body" idx="1"/>
+          </p:nvPr>
+        </p:nvSpPr>
+        <p:spPr/>
+        <p:txBody>
+          <a:bodyPr/>
+          <a:lstStyle/>
+          <a:p>
+            <a:r>
               <a:rPr lang="fr-CH" dirty="0"/>
-              <a:t>D’abord, on importe le fichier </a:t>
-            </a:r>
-            <a:r>
-              <a:rPr lang="fr-CH" dirty="0" err="1"/>
-              <a:t>stl</a:t>
-            </a:r>
+              <a:t>Présenter le diagramme d’état</a:t>
+            </a:r>
+          </a:p>
+          <a:p>
             <a:r>
               <a:rPr lang="fr-CH" dirty="0"/>
-              <a:t> et on le place sur le plan </a:t>
-            </a:r>
-            <a:r>
-              <a:rPr lang="fr-CH" dirty="0" err="1"/>
-              <a:t>xy</a:t>
-            </a:r>
-            <a:endParaRPr lang="fr-CH" dirty="0"/>
-          </a:p>
-          <a:p>
-            <a:r>
-              <a:rPr lang="fr-CH" dirty="0"/>
-              <a:t>Ensuite, on sélectionne les faces où il y a aura des supports en fonction de la méthode choisi</a:t>
-            </a:r>
-          </a:p>
-          <a:p>
-            <a:r>
-              <a:rPr lang="fr-CH" dirty="0"/>
-              <a:t>Camera : La caméra est placé sous la pièce et toutes les faces visibles sont sélectionnées</a:t>
-            </a:r>
-          </a:p>
-          <a:p>
-            <a:r>
-              <a:rPr lang="fr-CH" dirty="0"/>
-              <a:t>User </a:t>
-            </a:r>
-            <a:r>
-              <a:rPr lang="fr-CH" dirty="0" err="1"/>
-              <a:t>selection</a:t>
-            </a:r>
-            <a:r>
-              <a:rPr lang="fr-CH" dirty="0"/>
-              <a:t> : Utilisateur sélectionne les faces qu’il veut manuellement</a:t>
-            </a:r>
-          </a:p>
-          <a:p>
-            <a:r>
-              <a:rPr lang="fr-CH" dirty="0"/>
-              <a:t>Faces </a:t>
-            </a:r>
-            <a:r>
-              <a:rPr lang="fr-CH" dirty="0" err="1"/>
-              <a:t>calculation</a:t>
-            </a:r>
-            <a:r>
-              <a:rPr lang="fr-CH" dirty="0"/>
-              <a:t> : Sélectionne toutes les faces dont l’angle entre leur vecteurs normal et le vecteur –z est plus petit que l’angle max choisi 	      et qui ne possède pas de faces sous elle</a:t>
-            </a:r>
-          </a:p>
-          <a:p>
-            <a:r>
-              <a:rPr lang="fr-CH" dirty="0"/>
-              <a:t>Puis, on sépare les faces sélectionnées, on les extrude et on coupe ce qui se trouve sous le plan </a:t>
-            </a:r>
-            <a:r>
-              <a:rPr lang="fr-CH" dirty="0" err="1"/>
-              <a:t>xy</a:t>
-            </a:r>
-            <a:endParaRPr lang="fr-CH" dirty="0"/>
-          </a:p>
-          <a:p>
-            <a:r>
-              <a:rPr lang="fr-CH" dirty="0"/>
-              <a:t>Puis, on exporte le fichier </a:t>
-            </a:r>
-            <a:r>
-              <a:rPr lang="fr-CH" dirty="0" err="1"/>
-              <a:t>stl</a:t>
-            </a:r>
-            <a:r>
-              <a:rPr lang="fr-CH" dirty="0"/>
-              <a:t> des supports</a:t>
+              <a:t>Présenter les 3 méthodes de sélection de faces</a:t>
             </a:r>
           </a:p>
           <a:p>
@@ -1122,6 +1401,282 @@
     <p:extLst>
       <p:ext uri="{BB962C8B-B14F-4D97-AF65-F5344CB8AC3E}">
         <p14:creationId xmlns:p14="http://schemas.microsoft.com/office/powerpoint/2010/main" val="1160225287"/>
+      </p:ext>
+    </p:extLst>
+  </p:cSld>
+  <p:clrMapOvr>
+    <a:masterClrMapping/>
+  </p:clrMapOvr>
+</p:notes>
+</file>
+
+<file path=ppt/notesSlides/notesSlide7.xml><?xml version="1.0" encoding="utf-8"?>
+<p:notes xmlns:a="http://schemas.openxmlformats.org/drawingml/2006/main" xmlns:r="http://schemas.openxmlformats.org/officeDocument/2006/relationships" xmlns:p="http://schemas.openxmlformats.org/presentationml/2006/main">
+  <p:cSld>
+    <p:spTree>
+      <p:nvGrpSpPr>
+        <p:cNvPr id="1" name=""/>
+        <p:cNvGrpSpPr/>
+        <p:nvPr/>
+      </p:nvGrpSpPr>
+      <p:grpSpPr>
+        <a:xfrm>
+          <a:off x="0" y="0"/>
+          <a:ext cx="0" cy="0"/>
+          <a:chOff x="0" y="0"/>
+          <a:chExt cx="0" cy="0"/>
+        </a:xfrm>
+      </p:grpSpPr>
+      <p:sp>
+        <p:nvSpPr>
+          <p:cNvPr id="2" name="Espace réservé de l'image des diapositives 1"/>
+          <p:cNvSpPr>
+            <a:spLocks noGrp="1" noRot="1" noChangeAspect="1"/>
+          </p:cNvSpPr>
+          <p:nvPr>
+            <p:ph type="sldImg"/>
+          </p:nvPr>
+        </p:nvSpPr>
+        <p:spPr/>
+      </p:sp>
+      <p:sp>
+        <p:nvSpPr>
+          <p:cNvPr id="3" name="Espace réservé des notes 2"/>
+          <p:cNvSpPr>
+            <a:spLocks noGrp="1"/>
+          </p:cNvSpPr>
+          <p:nvPr>
+            <p:ph type="body" idx="1"/>
+          </p:nvPr>
+        </p:nvSpPr>
+        <p:spPr/>
+        <p:txBody>
+          <a:bodyPr/>
+          <a:lstStyle/>
+          <a:p>
+            <a:r>
+              <a:rPr lang="fr-CH" dirty="0"/>
+              <a:t>Parler de pourquoi j’ai choisi cette méthode</a:t>
+            </a:r>
+          </a:p>
+          <a:p>
+            <a:r>
+              <a:rPr lang="fr-CH" dirty="0"/>
+              <a:t>Parler en détail de son fonctionnement</a:t>
+            </a:r>
+          </a:p>
+          <a:p>
+            <a:r>
+              <a:rPr lang="fr-CH" dirty="0"/>
+              <a:t>Parler de l’optimisation de temps avec du code C</a:t>
+            </a:r>
+          </a:p>
+        </p:txBody>
+      </p:sp>
+      <p:sp>
+        <p:nvSpPr>
+          <p:cNvPr id="4" name="Espace réservé du numéro de diapositive 3"/>
+          <p:cNvSpPr>
+            <a:spLocks noGrp="1"/>
+          </p:cNvSpPr>
+          <p:nvPr>
+            <p:ph type="sldNum" sz="quarter" idx="5"/>
+          </p:nvPr>
+        </p:nvSpPr>
+        <p:spPr/>
+        <p:txBody>
+          <a:bodyPr/>
+          <a:lstStyle/>
+          <a:p>
+            <a:fld id="{7F1BDCB3-6A31-48A9-8DE6-F39F1E9F3CE7}" type="slidenum">
+              <a:rPr lang="fr-CH" smtClean="0"/>
+              <a:t>7</a:t>
+            </a:fld>
+            <a:endParaRPr lang="fr-CH"/>
+          </a:p>
+        </p:txBody>
+      </p:sp>
+    </p:spTree>
+    <p:extLst>
+      <p:ext uri="{BB962C8B-B14F-4D97-AF65-F5344CB8AC3E}">
+        <p14:creationId xmlns:p14="http://schemas.microsoft.com/office/powerpoint/2010/main" val="802388377"/>
+      </p:ext>
+    </p:extLst>
+  </p:cSld>
+  <p:clrMapOvr>
+    <a:masterClrMapping/>
+  </p:clrMapOvr>
+</p:notes>
+</file>
+
+<file path=ppt/notesSlides/notesSlide8.xml><?xml version="1.0" encoding="utf-8"?>
+<p:notes xmlns:a="http://schemas.openxmlformats.org/drawingml/2006/main" xmlns:r="http://schemas.openxmlformats.org/officeDocument/2006/relationships" xmlns:p="http://schemas.openxmlformats.org/presentationml/2006/main">
+  <p:cSld>
+    <p:spTree>
+      <p:nvGrpSpPr>
+        <p:cNvPr id="1" name=""/>
+        <p:cNvGrpSpPr/>
+        <p:nvPr/>
+      </p:nvGrpSpPr>
+      <p:grpSpPr>
+        <a:xfrm>
+          <a:off x="0" y="0"/>
+          <a:ext cx="0" cy="0"/>
+          <a:chOff x="0" y="0"/>
+          <a:chExt cx="0" cy="0"/>
+        </a:xfrm>
+      </p:grpSpPr>
+      <p:sp>
+        <p:nvSpPr>
+          <p:cNvPr id="2" name="Espace réservé de l'image des diapositives 1"/>
+          <p:cNvSpPr>
+            <a:spLocks noGrp="1" noRot="1" noChangeAspect="1"/>
+          </p:cNvSpPr>
+          <p:nvPr>
+            <p:ph type="sldImg"/>
+          </p:nvPr>
+        </p:nvSpPr>
+        <p:spPr/>
+      </p:sp>
+      <p:sp>
+        <p:nvSpPr>
+          <p:cNvPr id="3" name="Espace réservé des notes 2"/>
+          <p:cNvSpPr>
+            <a:spLocks noGrp="1"/>
+          </p:cNvSpPr>
+          <p:nvPr>
+            <p:ph type="body" idx="1"/>
+          </p:nvPr>
+        </p:nvSpPr>
+        <p:spPr/>
+        <p:txBody>
+          <a:bodyPr/>
+          <a:lstStyle/>
+          <a:p>
+            <a:r>
+              <a:rPr lang="fr-CH" dirty="0"/>
+              <a:t>Montrer les résultats</a:t>
+            </a:r>
+          </a:p>
+        </p:txBody>
+      </p:sp>
+      <p:sp>
+        <p:nvSpPr>
+          <p:cNvPr id="4" name="Espace réservé du numéro de diapositive 3"/>
+          <p:cNvSpPr>
+            <a:spLocks noGrp="1"/>
+          </p:cNvSpPr>
+          <p:nvPr>
+            <p:ph type="sldNum" sz="quarter" idx="5"/>
+          </p:nvPr>
+        </p:nvSpPr>
+        <p:spPr/>
+        <p:txBody>
+          <a:bodyPr/>
+          <a:lstStyle/>
+          <a:p>
+            <a:fld id="{7F1BDCB3-6A31-48A9-8DE6-F39F1E9F3CE7}" type="slidenum">
+              <a:rPr lang="fr-CH" smtClean="0"/>
+              <a:t>8</a:t>
+            </a:fld>
+            <a:endParaRPr lang="fr-CH"/>
+          </a:p>
+        </p:txBody>
+      </p:sp>
+    </p:spTree>
+    <p:extLst>
+      <p:ext uri="{BB962C8B-B14F-4D97-AF65-F5344CB8AC3E}">
+        <p14:creationId xmlns:p14="http://schemas.microsoft.com/office/powerpoint/2010/main" val="172301928"/>
+      </p:ext>
+    </p:extLst>
+  </p:cSld>
+  <p:clrMapOvr>
+    <a:masterClrMapping/>
+  </p:clrMapOvr>
+</p:notes>
+</file>
+
+<file path=ppt/notesSlides/notesSlide9.xml><?xml version="1.0" encoding="utf-8"?>
+<p:notes xmlns:a="http://schemas.openxmlformats.org/drawingml/2006/main" xmlns:r="http://schemas.openxmlformats.org/officeDocument/2006/relationships" xmlns:p="http://schemas.openxmlformats.org/presentationml/2006/main">
+  <p:cSld>
+    <p:spTree>
+      <p:nvGrpSpPr>
+        <p:cNvPr id="1" name=""/>
+        <p:cNvGrpSpPr/>
+        <p:nvPr/>
+      </p:nvGrpSpPr>
+      <p:grpSpPr>
+        <a:xfrm>
+          <a:off x="0" y="0"/>
+          <a:ext cx="0" cy="0"/>
+          <a:chOff x="0" y="0"/>
+          <a:chExt cx="0" cy="0"/>
+        </a:xfrm>
+      </p:grpSpPr>
+      <p:sp>
+        <p:nvSpPr>
+          <p:cNvPr id="2" name="Espace réservé de l'image des diapositives 1"/>
+          <p:cNvSpPr>
+            <a:spLocks noGrp="1" noRot="1" noChangeAspect="1"/>
+          </p:cNvSpPr>
+          <p:nvPr>
+            <p:ph type="sldImg"/>
+          </p:nvPr>
+        </p:nvSpPr>
+        <p:spPr/>
+      </p:sp>
+      <p:sp>
+        <p:nvSpPr>
+          <p:cNvPr id="3" name="Espace réservé des notes 2"/>
+          <p:cNvSpPr>
+            <a:spLocks noGrp="1"/>
+          </p:cNvSpPr>
+          <p:nvPr>
+            <p:ph type="body" idx="1"/>
+          </p:nvPr>
+        </p:nvSpPr>
+        <p:spPr/>
+        <p:txBody>
+          <a:bodyPr/>
+          <a:lstStyle/>
+          <a:p>
+            <a:r>
+              <a:rPr lang="fr-CH" dirty="0"/>
+              <a:t>Parler des paramètres testés</a:t>
+            </a:r>
+          </a:p>
+          <a:p>
+            <a:endParaRPr lang="fr-CH" dirty="0"/>
+          </a:p>
+        </p:txBody>
+      </p:sp>
+      <p:sp>
+        <p:nvSpPr>
+          <p:cNvPr id="4" name="Espace réservé du numéro de diapositive 3"/>
+          <p:cNvSpPr>
+            <a:spLocks noGrp="1"/>
+          </p:cNvSpPr>
+          <p:nvPr>
+            <p:ph type="sldNum" sz="quarter" idx="5"/>
+          </p:nvPr>
+        </p:nvSpPr>
+        <p:spPr/>
+        <p:txBody>
+          <a:bodyPr/>
+          <a:lstStyle/>
+          <a:p>
+            <a:fld id="{7F1BDCB3-6A31-48A9-8DE6-F39F1E9F3CE7}" type="slidenum">
+              <a:rPr lang="fr-CH" smtClean="0"/>
+              <a:t>9</a:t>
+            </a:fld>
+            <a:endParaRPr lang="fr-CH"/>
+          </a:p>
+        </p:txBody>
+      </p:sp>
+    </p:spTree>
+    <p:extLst>
+      <p:ext uri="{BB962C8B-B14F-4D97-AF65-F5344CB8AC3E}">
+        <p14:creationId xmlns:p14="http://schemas.microsoft.com/office/powerpoint/2010/main" val="3758112654"/>
       </p:ext>
     </p:extLst>
   </p:cSld>
@@ -1287,7 +1842,7 @@
           <a:p>
             <a:fld id="{02AC24A9-CCB6-4F8D-B8DB-C2F3692CFA5A}" type="datetimeFigureOut">
               <a:rPr lang="en-US" smtClean="0"/>
-              <a:t>6/4/2021</a:t>
+              <a:t>6/5/2021</a:t>
             </a:fld>
             <a:endParaRPr lang="en-US" dirty="0"/>
           </a:p>
@@ -1657,7 +2212,7 @@
           <a:p>
             <a:fld id="{02AC24A9-CCB6-4F8D-B8DB-C2F3692CFA5A}" type="datetimeFigureOut">
               <a:rPr lang="en-US" smtClean="0"/>
-              <a:t>6/4/2021</a:t>
+              <a:t>6/5/2021</a:t>
             </a:fld>
             <a:endParaRPr lang="en-US"/>
           </a:p>
@@ -1866,7 +2421,7 @@
           <a:p>
             <a:fld id="{02AC24A9-CCB6-4F8D-B8DB-C2F3692CFA5A}" type="datetimeFigureOut">
               <a:rPr lang="en-US" smtClean="0"/>
-              <a:t>6/4/2021</a:t>
+              <a:t>6/5/2021</a:t>
             </a:fld>
             <a:endParaRPr lang="en-US"/>
           </a:p>
@@ -2336,7 +2891,7 @@
           <a:p>
             <a:fld id="{02AC24A9-CCB6-4F8D-B8DB-C2F3692CFA5A}" type="datetimeFigureOut">
               <a:rPr lang="en-US" smtClean="0"/>
-              <a:t>6/4/2021</a:t>
+              <a:t>6/5/2021</a:t>
             </a:fld>
             <a:endParaRPr lang="en-US"/>
           </a:p>
@@ -2790,7 +3345,7 @@
           <a:p>
             <a:fld id="{02AC24A9-CCB6-4F8D-B8DB-C2F3692CFA5A}" type="datetimeFigureOut">
               <a:rPr lang="en-US" smtClean="0"/>
-              <a:t>6/4/2021</a:t>
+              <a:t>6/5/2021</a:t>
             </a:fld>
             <a:endParaRPr lang="en-US"/>
           </a:p>
@@ -3322,7 +3877,7 @@
           <a:p>
             <a:fld id="{02AC24A9-CCB6-4F8D-B8DB-C2F3692CFA5A}" type="datetimeFigureOut">
               <a:rPr lang="en-US" smtClean="0"/>
-              <a:t>6/4/2021</a:t>
+              <a:t>6/5/2021</a:t>
             </a:fld>
             <a:endParaRPr lang="en-US"/>
           </a:p>
@@ -4021,7 +4576,7 @@
           <a:p>
             <a:fld id="{02AC24A9-CCB6-4F8D-B8DB-C2F3692CFA5A}" type="datetimeFigureOut">
               <a:rPr lang="en-US" smtClean="0"/>
-              <a:t>6/4/2021</a:t>
+              <a:t>6/5/2021</a:t>
             </a:fld>
             <a:endParaRPr lang="en-US"/>
           </a:p>
@@ -4350,7 +4905,7 @@
           <a:p>
             <a:fld id="{02AC24A9-CCB6-4F8D-B8DB-C2F3692CFA5A}" type="datetimeFigureOut">
               <a:rPr lang="en-US" smtClean="0"/>
-              <a:t>6/4/2021</a:t>
+              <a:t>6/5/2021</a:t>
             </a:fld>
             <a:endParaRPr lang="en-US"/>
           </a:p>
@@ -4463,7 +5018,7 @@
           <a:p>
             <a:fld id="{02AC24A9-CCB6-4F8D-B8DB-C2F3692CFA5A}" type="datetimeFigureOut">
               <a:rPr lang="en-US" smtClean="0"/>
-              <a:t>6/4/2021</a:t>
+              <a:t>6/5/2021</a:t>
             </a:fld>
             <a:endParaRPr lang="en-US"/>
           </a:p>
@@ -4958,7 +5513,7 @@
           <a:p>
             <a:fld id="{02AC24A9-CCB6-4F8D-B8DB-C2F3692CFA5A}" type="datetimeFigureOut">
               <a:rPr lang="en-US" smtClean="0"/>
-              <a:t>6/4/2021</a:t>
+              <a:t>6/5/2021</a:t>
             </a:fld>
             <a:endParaRPr lang="en-US" dirty="0"/>
           </a:p>
@@ -5435,7 +5990,7 @@
           <a:p>
             <a:fld id="{02AC24A9-CCB6-4F8D-B8DB-C2F3692CFA5A}" type="datetimeFigureOut">
               <a:rPr lang="en-US" smtClean="0"/>
-              <a:t>6/4/2021</a:t>
+              <a:t>6/5/2021</a:t>
             </a:fld>
             <a:endParaRPr lang="en-US"/>
           </a:p>
@@ -5678,7 +6233,7 @@
           <a:p>
             <a:fld id="{02AC24A9-CCB6-4F8D-B8DB-C2F3692CFA5A}" type="datetimeFigureOut">
               <a:rPr lang="en-US" smtClean="0"/>
-              <a:t>6/4/2021</a:t>
+              <a:t>6/5/2021</a:t>
             </a:fld>
             <a:endParaRPr lang="en-US"/>
           </a:p>
@@ -6679,6 +7234,36 @@
           </a:p>
         </p:txBody>
       </p:sp>
+      <p:pic>
+        <p:nvPicPr>
+          <p:cNvPr id="5" name="Image 4">
+            <a:extLst>
+              <a:ext uri="{FF2B5EF4-FFF2-40B4-BE49-F238E27FC236}">
+                <a16:creationId xmlns:a16="http://schemas.microsoft.com/office/drawing/2014/main" id="{38D5E188-BD3D-471A-89AC-DBD7F19A4241}"/>
+              </a:ext>
+            </a:extLst>
+          </p:cNvPr>
+          <p:cNvPicPr>
+            <a:picLocks noChangeAspect="1"/>
+          </p:cNvPicPr>
+          <p:nvPr/>
+        </p:nvPicPr>
+        <p:blipFill>
+          <a:blip r:embed="rId3"/>
+          <a:stretch>
+            <a:fillRect/>
+          </a:stretch>
+        </p:blipFill>
+        <p:spPr>
+          <a:xfrm>
+            <a:off x="5929966" y="717780"/>
+            <a:ext cx="4792111" cy="5591580"/>
+          </a:xfrm>
+          <a:prstGeom prst="rect">
+            <a:avLst/>
+          </a:prstGeom>
+        </p:spPr>
+      </p:pic>
     </p:spTree>
     <p:extLst>
       <p:ext uri="{BB962C8B-B14F-4D97-AF65-F5344CB8AC3E}">
@@ -6758,7 +7343,7 @@
           <a:bodyPr/>
           <a:lstStyle/>
           <a:p>
-            <a:endParaRPr lang="fr-CH"/>
+            <a:endParaRPr lang="fr-CH" dirty="0"/>
           </a:p>
         </p:txBody>
       </p:sp>
@@ -6964,15 +7549,24 @@
             </a:r>
           </a:p>
           <a:p>
-            <a:endParaRPr lang="fr-CH" dirty="0"/>
-          </a:p>
-          <a:p>
+            <a:pPr marL="0" indent="0">
+              <a:buNone/>
+            </a:pPr>
             <a:endParaRPr lang="fr-CH" dirty="0"/>
           </a:p>
           <a:p>
             <a:r>
               <a:rPr lang="fr-CH" dirty="0"/>
               <a:t>STL</a:t>
+            </a:r>
+          </a:p>
+          <a:p>
+            <a:endParaRPr lang="fr-CH" dirty="0"/>
+          </a:p>
+          <a:p>
+            <a:r>
+              <a:rPr lang="fr-CH" dirty="0"/>
+              <a:t>Logiciel</a:t>
             </a:r>
           </a:p>
           <a:p>
@@ -6996,7 +7590,7 @@
           <p:nvPr/>
         </p:nvPicPr>
         <p:blipFill>
-          <a:blip r:embed="rId2"/>
+          <a:blip r:embed="rId3"/>
           <a:stretch>
             <a:fillRect/>
           </a:stretch>
@@ -7024,7 +7618,7 @@
           <p:nvPr/>
         </p:nvPicPr>
         <p:blipFill>
-          <a:blip r:embed="rId3"/>
+          <a:blip r:embed="rId4"/>
           <a:stretch>
             <a:fillRect/>
           </a:stretch>
@@ -7640,7 +8234,7 @@
           <p:nvPr/>
         </p:nvPicPr>
         <p:blipFill>
-          <a:blip r:embed="rId2"/>
+          <a:blip r:embed="rId3"/>
           <a:stretch>
             <a:fillRect/>
           </a:stretch>
@@ -7670,7 +8264,7 @@
           <p:nvPr/>
         </p:nvPicPr>
         <p:blipFill>
-          <a:blip r:embed="rId3"/>
+          <a:blip r:embed="rId4"/>
           <a:stretch>
             <a:fillRect/>
           </a:stretch>
@@ -7796,7 +8390,7 @@
           <p:nvPr/>
         </p:nvPicPr>
         <p:blipFill>
-          <a:blip r:embed="rId2"/>
+          <a:blip r:embed="rId3"/>
           <a:stretch>
             <a:fillRect/>
           </a:stretch>
@@ -7826,7 +8420,7 @@
           <p:nvPr/>
         </p:nvPicPr>
         <p:blipFill>
-          <a:blip r:embed="rId3"/>
+          <a:blip r:embed="rId4"/>
           <a:stretch>
             <a:fillRect/>
           </a:stretch>
@@ -7856,7 +8450,7 @@
           <p:nvPr/>
         </p:nvPicPr>
         <p:blipFill>
-          <a:blip r:embed="rId4"/>
+          <a:blip r:embed="rId5"/>
           <a:stretch>
             <a:fillRect/>
           </a:stretch>
@@ -8495,7 +9089,7 @@
           <p:nvPr/>
         </p:nvPicPr>
         <p:blipFill>
-          <a:blip r:embed="rId5">
+          <a:blip r:embed="rId6">
             <a:extLst>
               <a:ext uri="{28A0092B-C50C-407E-A947-70E740481C1C}">
                 <a14:useLocalDpi xmlns:a14="http://schemas.microsoft.com/office/drawing/2010/main" val="0"/>
@@ -8531,7 +9125,7 @@
           <p:nvPr/>
         </p:nvPicPr>
         <p:blipFill>
-          <a:blip r:embed="rId6">
+          <a:blip r:embed="rId7">
             <a:extLst>
               <a:ext uri="{28A0092B-C50C-407E-A947-70E740481C1C}">
                 <a14:useLocalDpi xmlns:a14="http://schemas.microsoft.com/office/drawing/2010/main" val="0"/>
@@ -8567,7 +9161,7 @@
           <p:nvPr/>
         </p:nvPicPr>
         <p:blipFill>
-          <a:blip r:embed="rId7">
+          <a:blip r:embed="rId8">
             <a:extLst>
               <a:ext uri="{28A0092B-C50C-407E-A947-70E740481C1C}">
                 <a14:useLocalDpi xmlns:a14="http://schemas.microsoft.com/office/drawing/2010/main" val="0"/>
@@ -8603,7 +9197,7 @@
           <p:nvPr/>
         </p:nvPicPr>
         <p:blipFill>
-          <a:blip r:embed="rId8">
+          <a:blip r:embed="rId9">
             <a:extLst>
               <a:ext uri="{28A0092B-C50C-407E-A947-70E740481C1C}">
                 <a14:useLocalDpi xmlns:a14="http://schemas.microsoft.com/office/drawing/2010/main" val="0"/>
@@ -8749,7 +9343,7 @@
           <p:nvPr/>
         </p:nvPicPr>
         <p:blipFill>
-          <a:blip r:embed="rId2">
+          <a:blip r:embed="rId3">
             <a:extLst>
               <a:ext uri="{28A0092B-C50C-407E-A947-70E740481C1C}">
                 <a14:useLocalDpi xmlns:a14="http://schemas.microsoft.com/office/drawing/2010/main" val="0"/>
@@ -8785,7 +9379,7 @@
           <p:nvPr/>
         </p:nvPicPr>
         <p:blipFill>
-          <a:blip r:embed="rId3">
+          <a:blip r:embed="rId4">
             <a:extLst>
               <a:ext uri="{28A0092B-C50C-407E-A947-70E740481C1C}">
                 <a14:useLocalDpi xmlns:a14="http://schemas.microsoft.com/office/drawing/2010/main" val="0"/>

--- a/inter_presentation/inter_presentation.pptx
+++ b/inter_presentation/inter_presentation.pptx
@@ -219,7 +219,7 @@
           <a:p>
             <a:fld id="{40029F93-3AE2-4ED3-8D49-9D876DCC48D7}" type="datetimeFigureOut">
               <a:rPr lang="fr-CH" smtClean="0"/>
-              <a:t>05.06.2021</a:t>
+              <a:t>06.06.2021</a:t>
             </a:fld>
             <a:endParaRPr lang="fr-CH"/>
           </a:p>
@@ -1842,7 +1842,7 @@
           <a:p>
             <a:fld id="{02AC24A9-CCB6-4F8D-B8DB-C2F3692CFA5A}" type="datetimeFigureOut">
               <a:rPr lang="en-US" smtClean="0"/>
-              <a:t>6/5/2021</a:t>
+              <a:t>6/6/2021</a:t>
             </a:fld>
             <a:endParaRPr lang="en-US" dirty="0"/>
           </a:p>
@@ -2212,7 +2212,7 @@
           <a:p>
             <a:fld id="{02AC24A9-CCB6-4F8D-B8DB-C2F3692CFA5A}" type="datetimeFigureOut">
               <a:rPr lang="en-US" smtClean="0"/>
-              <a:t>6/5/2021</a:t>
+              <a:t>6/6/2021</a:t>
             </a:fld>
             <a:endParaRPr lang="en-US"/>
           </a:p>
@@ -2421,7 +2421,7 @@
           <a:p>
             <a:fld id="{02AC24A9-CCB6-4F8D-B8DB-C2F3692CFA5A}" type="datetimeFigureOut">
               <a:rPr lang="en-US" smtClean="0"/>
-              <a:t>6/5/2021</a:t>
+              <a:t>6/6/2021</a:t>
             </a:fld>
             <a:endParaRPr lang="en-US"/>
           </a:p>
@@ -2891,7 +2891,7 @@
           <a:p>
             <a:fld id="{02AC24A9-CCB6-4F8D-B8DB-C2F3692CFA5A}" type="datetimeFigureOut">
               <a:rPr lang="en-US" smtClean="0"/>
-              <a:t>6/5/2021</a:t>
+              <a:t>6/6/2021</a:t>
             </a:fld>
             <a:endParaRPr lang="en-US"/>
           </a:p>
@@ -3345,7 +3345,7 @@
           <a:p>
             <a:fld id="{02AC24A9-CCB6-4F8D-B8DB-C2F3692CFA5A}" type="datetimeFigureOut">
               <a:rPr lang="en-US" smtClean="0"/>
-              <a:t>6/5/2021</a:t>
+              <a:t>6/6/2021</a:t>
             </a:fld>
             <a:endParaRPr lang="en-US"/>
           </a:p>
@@ -3877,7 +3877,7 @@
           <a:p>
             <a:fld id="{02AC24A9-CCB6-4F8D-B8DB-C2F3692CFA5A}" type="datetimeFigureOut">
               <a:rPr lang="en-US" smtClean="0"/>
-              <a:t>6/5/2021</a:t>
+              <a:t>6/6/2021</a:t>
             </a:fld>
             <a:endParaRPr lang="en-US"/>
           </a:p>
@@ -4576,7 +4576,7 @@
           <a:p>
             <a:fld id="{02AC24A9-CCB6-4F8D-B8DB-C2F3692CFA5A}" type="datetimeFigureOut">
               <a:rPr lang="en-US" smtClean="0"/>
-              <a:t>6/5/2021</a:t>
+              <a:t>6/6/2021</a:t>
             </a:fld>
             <a:endParaRPr lang="en-US"/>
           </a:p>
@@ -4905,7 +4905,7 @@
           <a:p>
             <a:fld id="{02AC24A9-CCB6-4F8D-B8DB-C2F3692CFA5A}" type="datetimeFigureOut">
               <a:rPr lang="en-US" smtClean="0"/>
-              <a:t>6/5/2021</a:t>
+              <a:t>6/6/2021</a:t>
             </a:fld>
             <a:endParaRPr lang="en-US"/>
           </a:p>
@@ -5018,7 +5018,7 @@
           <a:p>
             <a:fld id="{02AC24A9-CCB6-4F8D-B8DB-C2F3692CFA5A}" type="datetimeFigureOut">
               <a:rPr lang="en-US" smtClean="0"/>
-              <a:t>6/5/2021</a:t>
+              <a:t>6/6/2021</a:t>
             </a:fld>
             <a:endParaRPr lang="en-US"/>
           </a:p>
@@ -5513,7 +5513,7 @@
           <a:p>
             <a:fld id="{02AC24A9-CCB6-4F8D-B8DB-C2F3692CFA5A}" type="datetimeFigureOut">
               <a:rPr lang="en-US" smtClean="0"/>
-              <a:t>6/5/2021</a:t>
+              <a:t>6/6/2021</a:t>
             </a:fld>
             <a:endParaRPr lang="en-US" dirty="0"/>
           </a:p>
@@ -5990,7 +5990,7 @@
           <a:p>
             <a:fld id="{02AC24A9-CCB6-4F8D-B8DB-C2F3692CFA5A}" type="datetimeFigureOut">
               <a:rPr lang="en-US" smtClean="0"/>
-              <a:t>6/5/2021</a:t>
+              <a:t>6/6/2021</a:t>
             </a:fld>
             <a:endParaRPr lang="en-US"/>
           </a:p>
@@ -6233,7 +6233,7 @@
           <a:p>
             <a:fld id="{02AC24A9-CCB6-4F8D-B8DB-C2F3692CFA5A}" type="datetimeFigureOut">
               <a:rPr lang="en-US" smtClean="0"/>
-              <a:t>6/5/2021</a:t>
+              <a:t>6/6/2021</a:t>
             </a:fld>
             <a:endParaRPr lang="en-US"/>
           </a:p>
